--- a/ltr-project.pptx
+++ b/ltr-project.pptx
@@ -13,9 +13,10 @@
     <p:sldId id="261" r:id="rId7"/>
     <p:sldId id="262" r:id="rId8"/>
     <p:sldId id="263" r:id="rId9"/>
-    <p:sldId id="264" r:id="rId10"/>
-    <p:sldId id="265" r:id="rId11"/>
-    <p:sldId id="266" r:id="rId12"/>
+    <p:sldId id="267" r:id="rId10"/>
+    <p:sldId id="264" r:id="rId11"/>
+    <p:sldId id="265" r:id="rId12"/>
+    <p:sldId id="266" r:id="rId13"/>
   </p:sldIdLst>
   <p:sldSz cx="12192000" cy="6858000"/>
   <p:notesSz cx="6858000" cy="9144000"/>
@@ -114,13 +115,18 @@
       </a:defRPr>
     </a:lvl9pPr>
   </p:defaultTextStyle>
+  <p:extLst>
+    <p:ext uri="{EFAFB233-063F-42B5-8137-9DF3F51BA10A}">
+      <p15:sldGuideLst xmlns:p15="http://schemas.microsoft.com/office/powerpoint/2012/main"/>
+    </p:ext>
+  </p:extLst>
 </p:presentation>
 </file>
 
 <file path=ppt/revisionInfo.xml><?xml version="1.0" encoding="utf-8"?>
 <p1510:revInfo xmlns:a="http://schemas.openxmlformats.org/drawingml/2006/main" xmlns:r="http://schemas.openxmlformats.org/officeDocument/2006/relationships" xmlns:p1510="http://schemas.microsoft.com/office/powerpoint/2015/10/main">
   <p1510:revLst>
-    <p1510:client id="{81431942-46A7-44A9-8F8D-419C497484FD}" v="15" dt="2023-01-06T12:24:40.610"/>
+    <p1510:client id="{81431942-46A7-44A9-8F8D-419C497484FD}" v="22" dt="2023-01-11T18:12:14.904"/>
   </p1510:revLst>
 </p1510:revInfo>
 </file>
@@ -129,13 +135,13 @@
 <pc:chgInfo xmlns:a="http://schemas.openxmlformats.org/drawingml/2006/main" xmlns:r="http://schemas.openxmlformats.org/officeDocument/2006/relationships" xmlns:ac="http://schemas.microsoft.com/office/drawing/2013/main/command" xmlns:pc="http://schemas.microsoft.com/office/powerpoint/2013/main/command">
   <pc:docChgLst>
     <pc:chgData name="Maria Szawerna" userId="27f43607ae8ba673" providerId="LiveId" clId="{81431942-46A7-44A9-8F8D-419C497484FD}"/>
-    <pc:docChg chg="undo custSel addSld delSld modSld addMainMaster delMainMaster">
-      <pc:chgData name="Maria Szawerna" userId="27f43607ae8ba673" providerId="LiveId" clId="{81431942-46A7-44A9-8F8D-419C497484FD}" dt="2023-01-06T12:31:45.510" v="2146" actId="1076"/>
+    <pc:docChg chg="undo custSel addSld delSld modSld addMainMaster delMainMaster modMainMaster">
+      <pc:chgData name="Maria Szawerna" userId="27f43607ae8ba673" providerId="LiveId" clId="{81431942-46A7-44A9-8F8D-419C497484FD}" dt="2023-01-11T18:23:01.383" v="2552" actId="26606"/>
       <pc:docMkLst>
         <pc:docMk/>
       </pc:docMkLst>
-      <pc:sldChg chg="addSp delSp modSp new mod setBg modClrScheme addAnim delAnim setClrOvrMap delDesignElem chgLayout">
-        <pc:chgData name="Maria Szawerna" userId="27f43607ae8ba673" providerId="LiveId" clId="{81431942-46A7-44A9-8F8D-419C497484FD}" dt="2023-01-06T12:28:42.799" v="1849" actId="478"/>
+      <pc:sldChg chg="addSp delSp modSp new mod modTransition setBg modClrScheme addAnim delAnim setClrOvrMap delDesignElem chgLayout">
+        <pc:chgData name="Maria Szawerna" userId="27f43607ae8ba673" providerId="LiveId" clId="{81431942-46A7-44A9-8F8D-419C497484FD}" dt="2023-01-11T18:07:03.537" v="2153" actId="20577"/>
         <pc:sldMkLst>
           <pc:docMk/>
           <pc:sldMk cId="4024271901" sldId="256"/>
@@ -149,7 +155,7 @@
           </ac:spMkLst>
         </pc:spChg>
         <pc:spChg chg="mod">
-          <ac:chgData name="Maria Szawerna" userId="27f43607ae8ba673" providerId="LiveId" clId="{81431942-46A7-44A9-8F8D-419C497484FD}" dt="2023-01-06T12:24:49.332" v="1588" actId="26606"/>
+          <ac:chgData name="Maria Szawerna" userId="27f43607ae8ba673" providerId="LiveId" clId="{81431942-46A7-44A9-8F8D-419C497484FD}" dt="2023-01-11T18:07:03.537" v="2153" actId="20577"/>
           <ac:spMkLst>
             <pc:docMk/>
             <pc:sldMk cId="4024271901" sldId="256"/>
@@ -517,8 +523,8 @@
           </ac:cxnSpMkLst>
         </pc:cxnChg>
       </pc:sldChg>
-      <pc:sldChg chg="modSp new mod">
-        <pc:chgData name="Maria Szawerna" userId="27f43607ae8ba673" providerId="LiveId" clId="{81431942-46A7-44A9-8F8D-419C497484FD}" dt="2023-01-06T12:30:48.088" v="2106" actId="20577"/>
+      <pc:sldChg chg="modSp new mod modTransition">
+        <pc:chgData name="Maria Szawerna" userId="27f43607ae8ba673" providerId="LiveId" clId="{81431942-46A7-44A9-8F8D-419C497484FD}" dt="2023-01-11T18:06:49.217" v="2149"/>
         <pc:sldMkLst>
           <pc:docMk/>
           <pc:sldMk cId="1497081613" sldId="257"/>
@@ -540,8 +546,8 @@
           </ac:spMkLst>
         </pc:spChg>
       </pc:sldChg>
-      <pc:sldChg chg="addSp delSp modSp new mod setBg modClrScheme chgLayout">
-        <pc:chgData name="Maria Szawerna" userId="27f43607ae8ba673" providerId="LiveId" clId="{81431942-46A7-44A9-8F8D-419C497484FD}" dt="2023-01-06T12:31:45.510" v="2146" actId="1076"/>
+      <pc:sldChg chg="addSp delSp modSp new mod modTransition setBg modClrScheme chgLayout">
+        <pc:chgData name="Maria Szawerna" userId="27f43607ae8ba673" providerId="LiveId" clId="{81431942-46A7-44A9-8F8D-419C497484FD}" dt="2023-01-11T18:06:49.217" v="2149"/>
         <pc:sldMkLst>
           <pc:docMk/>
           <pc:sldMk cId="687154701" sldId="258"/>
@@ -763,8 +769,8 @@
           </ac:cxnSpMkLst>
         </pc:cxnChg>
       </pc:sldChg>
-      <pc:sldChg chg="addSp delSp modSp new mod modClrScheme chgLayout">
-        <pc:chgData name="Maria Szawerna" userId="27f43607ae8ba673" providerId="LiveId" clId="{81431942-46A7-44A9-8F8D-419C497484FD}" dt="2023-01-06T12:30:27.882" v="2094" actId="403"/>
+      <pc:sldChg chg="addSp delSp modSp new mod modTransition modClrScheme chgLayout">
+        <pc:chgData name="Maria Szawerna" userId="27f43607ae8ba673" providerId="LiveId" clId="{81431942-46A7-44A9-8F8D-419C497484FD}" dt="2023-01-11T18:06:49.217" v="2149"/>
         <pc:sldMkLst>
           <pc:docMk/>
           <pc:sldMk cId="57206835" sldId="259"/>
@@ -802,8 +808,8 @@
           </ac:spMkLst>
         </pc:spChg>
       </pc:sldChg>
-      <pc:sldChg chg="addSp delSp modSp new mod setBg">
-        <pc:chgData name="Maria Szawerna" userId="27f43607ae8ba673" providerId="LiveId" clId="{81431942-46A7-44A9-8F8D-419C497484FD}" dt="2023-01-06T12:26:29.065" v="1602" actId="26606"/>
+      <pc:sldChg chg="addSp delSp modSp new mod modTransition setBg">
+        <pc:chgData name="Maria Szawerna" userId="27f43607ae8ba673" providerId="LiveId" clId="{81431942-46A7-44A9-8F8D-419C497484FD}" dt="2023-01-11T18:06:49.217" v="2149"/>
         <pc:sldMkLst>
           <pc:docMk/>
           <pc:sldMk cId="97204170" sldId="260"/>
@@ -1089,8 +1095,8 @@
           </ac:cxnSpMkLst>
         </pc:cxnChg>
       </pc:sldChg>
-      <pc:sldChg chg="addSp delSp modSp new mod setBg delDesignElem">
-        <pc:chgData name="Maria Szawerna" userId="27f43607ae8ba673" providerId="LiveId" clId="{81431942-46A7-44A9-8F8D-419C497484FD}" dt="2023-01-06T12:25:36.729" v="1597" actId="14100"/>
+      <pc:sldChg chg="addSp delSp modSp new mod modTransition setBg delDesignElem">
+        <pc:chgData name="Maria Szawerna" userId="27f43607ae8ba673" providerId="LiveId" clId="{81431942-46A7-44A9-8F8D-419C497484FD}" dt="2023-01-11T18:06:49.217" v="2149"/>
         <pc:sldMkLst>
           <pc:docMk/>
           <pc:sldMk cId="3298464673" sldId="261"/>
@@ -1214,8 +1220,8 @@
           </ac:grpSpMkLst>
         </pc:grpChg>
       </pc:sldChg>
-      <pc:sldChg chg="addSp delSp modSp add mod setBg delDesignElem">
-        <pc:chgData name="Maria Szawerna" userId="27f43607ae8ba673" providerId="LiveId" clId="{81431942-46A7-44A9-8F8D-419C497484FD}" dt="2023-01-06T12:25:46.005" v="1599" actId="1076"/>
+      <pc:sldChg chg="addSp delSp modSp add mod modTransition setBg delDesignElem">
+        <pc:chgData name="Maria Szawerna" userId="27f43607ae8ba673" providerId="LiveId" clId="{81431942-46A7-44A9-8F8D-419C497484FD}" dt="2023-01-11T18:06:49.217" v="2149"/>
         <pc:sldMkLst>
           <pc:docMk/>
           <pc:sldMk cId="3234426790" sldId="262"/>
@@ -1317,8 +1323,8 @@
           </ac:picMkLst>
         </pc:picChg>
       </pc:sldChg>
-      <pc:sldChg chg="addSp delSp modSp new mod setBg modClrScheme chgLayout">
-        <pc:chgData name="Maria Szawerna" userId="27f43607ae8ba673" providerId="LiveId" clId="{81431942-46A7-44A9-8F8D-419C497484FD}" dt="2023-01-06T12:28:30.776" v="1848" actId="26606"/>
+      <pc:sldChg chg="addSp delSp modSp new mod modTransition setBg modClrScheme chgLayout">
+        <pc:chgData name="Maria Szawerna" userId="27f43607ae8ba673" providerId="LiveId" clId="{81431942-46A7-44A9-8F8D-419C497484FD}" dt="2023-01-11T18:06:49.217" v="2149"/>
         <pc:sldMkLst>
           <pc:docMk/>
           <pc:sldMk cId="3074160203" sldId="263"/>
@@ -1380,8 +1386,8 @@
           </ac:graphicFrameMkLst>
         </pc:graphicFrameChg>
       </pc:sldChg>
-      <pc:sldChg chg="modSp new mod">
-        <pc:chgData name="Maria Szawerna" userId="27f43607ae8ba673" providerId="LiveId" clId="{81431942-46A7-44A9-8F8D-419C497484FD}" dt="2023-01-06T12:30:53.985" v="2107" actId="404"/>
+      <pc:sldChg chg="modSp new mod modTransition">
+        <pc:chgData name="Maria Szawerna" userId="27f43607ae8ba673" providerId="LiveId" clId="{81431942-46A7-44A9-8F8D-419C497484FD}" dt="2023-01-11T18:06:49.217" v="2149"/>
         <pc:sldMkLst>
           <pc:docMk/>
           <pc:sldMk cId="1452733498" sldId="264"/>
@@ -1403,8 +1409,8 @@
           </ac:spMkLst>
         </pc:spChg>
       </pc:sldChg>
-      <pc:sldChg chg="modSp new mod">
-        <pc:chgData name="Maria Szawerna" userId="27f43607ae8ba673" providerId="LiveId" clId="{81431942-46A7-44A9-8F8D-419C497484FD}" dt="2023-01-06T12:30:56.906" v="2109" actId="403"/>
+      <pc:sldChg chg="modSp new mod modTransition">
+        <pc:chgData name="Maria Szawerna" userId="27f43607ae8ba673" providerId="LiveId" clId="{81431942-46A7-44A9-8F8D-419C497484FD}" dt="2023-01-11T18:06:49.217" v="2149"/>
         <pc:sldMkLst>
           <pc:docMk/>
           <pc:sldMk cId="2734707065" sldId="265"/>
@@ -1426,8 +1432,8 @@
           </ac:spMkLst>
         </pc:spChg>
       </pc:sldChg>
-      <pc:sldChg chg="addSp delSp modSp new mod chgLayout">
-        <pc:chgData name="Maria Szawerna" userId="27f43607ae8ba673" providerId="LiveId" clId="{81431942-46A7-44A9-8F8D-419C497484FD}" dt="2023-01-06T12:31:09.307" v="2139" actId="20577"/>
+      <pc:sldChg chg="addSp delSp modSp new mod modTransition chgLayout">
+        <pc:chgData name="Maria Szawerna" userId="27f43607ae8ba673" providerId="LiveId" clId="{81431942-46A7-44A9-8F8D-419C497484FD}" dt="2023-01-11T18:06:49.217" v="2149"/>
         <pc:sldMkLst>
           <pc:docMk/>
           <pc:sldMk cId="840193967" sldId="266"/>
@@ -1464,6 +1470,133 @@
             <ac:spMk id="5" creationId="{853E940A-34F8-78A9-A902-D723D0B40866}"/>
           </ac:spMkLst>
         </pc:spChg>
+      </pc:sldChg>
+      <pc:sldChg chg="addSp delSp modSp new mod">
+        <pc:chgData name="Maria Szawerna" userId="27f43607ae8ba673" providerId="LiveId" clId="{81431942-46A7-44A9-8F8D-419C497484FD}" dt="2023-01-11T18:23:01.383" v="2552" actId="26606"/>
+        <pc:sldMkLst>
+          <pc:docMk/>
+          <pc:sldMk cId="524949915" sldId="267"/>
+        </pc:sldMkLst>
+        <pc:spChg chg="mod">
+          <ac:chgData name="Maria Szawerna" userId="27f43607ae8ba673" providerId="LiveId" clId="{81431942-46A7-44A9-8F8D-419C497484FD}" dt="2023-01-11T18:20:55.686" v="2487" actId="14100"/>
+          <ac:spMkLst>
+            <pc:docMk/>
+            <pc:sldMk cId="524949915" sldId="267"/>
+            <ac:spMk id="2" creationId="{EC2E967B-77DF-E62B-59EF-7945C1017AFE}"/>
+          </ac:spMkLst>
+        </pc:spChg>
+        <pc:spChg chg="add del mod">
+          <ac:chgData name="Maria Szawerna" userId="27f43607ae8ba673" providerId="LiveId" clId="{81431942-46A7-44A9-8F8D-419C497484FD}" dt="2023-01-11T18:23:01.383" v="2552" actId="26606"/>
+          <ac:spMkLst>
+            <pc:docMk/>
+            <pc:sldMk cId="524949915" sldId="267"/>
+            <ac:spMk id="3" creationId="{4585B10F-805D-CB38-EAE9-6677BDBADC35}"/>
+          </ac:spMkLst>
+        </pc:spChg>
+        <pc:spChg chg="add del mod">
+          <ac:chgData name="Maria Szawerna" userId="27f43607ae8ba673" providerId="LiveId" clId="{81431942-46A7-44A9-8F8D-419C497484FD}" dt="2023-01-11T18:12:11.842" v="2237" actId="21"/>
+          <ac:spMkLst>
+            <pc:docMk/>
+            <pc:sldMk cId="524949915" sldId="267"/>
+            <ac:spMk id="11" creationId="{050E0D63-5A5E-75E2-15AB-8858EAC8448A}"/>
+          </ac:spMkLst>
+        </pc:spChg>
+        <pc:spChg chg="add del mod">
+          <ac:chgData name="Maria Szawerna" userId="27f43607ae8ba673" providerId="LiveId" clId="{81431942-46A7-44A9-8F8D-419C497484FD}" dt="2023-01-11T18:12:14.904" v="2239"/>
+          <ac:spMkLst>
+            <pc:docMk/>
+            <pc:sldMk cId="524949915" sldId="267"/>
+            <ac:spMk id="12" creationId="{6FBC2E27-DAA0-65DE-0503-68CA9EE38DBD}"/>
+          </ac:spMkLst>
+        </pc:spChg>
+        <pc:graphicFrameChg chg="add del modGraphic">
+          <ac:chgData name="Maria Szawerna" userId="27f43607ae8ba673" providerId="LiveId" clId="{81431942-46A7-44A9-8F8D-419C497484FD}" dt="2023-01-11T18:23:01.383" v="2552" actId="26606"/>
+          <ac:graphicFrameMkLst>
+            <pc:docMk/>
+            <pc:sldMk cId="524949915" sldId="267"/>
+            <ac:graphicFrameMk id="28" creationId="{60FE7395-767D-B6E3-7F78-8577F0B30B08}"/>
+          </ac:graphicFrameMkLst>
+        </pc:graphicFrameChg>
+        <pc:picChg chg="add del">
+          <ac:chgData name="Maria Szawerna" userId="27f43607ae8ba673" providerId="LiveId" clId="{81431942-46A7-44A9-8F8D-419C497484FD}" dt="2023-01-11T18:11:03.973" v="2207" actId="22"/>
+          <ac:picMkLst>
+            <pc:docMk/>
+            <pc:sldMk cId="524949915" sldId="267"/>
+            <ac:picMk id="5" creationId="{CB3BC74C-8840-6C30-14CA-C281303A4C4D}"/>
+          </ac:picMkLst>
+        </pc:picChg>
+        <pc:picChg chg="add mod modCrop">
+          <ac:chgData name="Maria Szawerna" userId="27f43607ae8ba673" providerId="LiveId" clId="{81431942-46A7-44A9-8F8D-419C497484FD}" dt="2023-01-11T18:23:01.187" v="2551" actId="1076"/>
+          <ac:picMkLst>
+            <pc:docMk/>
+            <pc:sldMk cId="524949915" sldId="267"/>
+            <ac:picMk id="7" creationId="{A85C377A-EFED-2B79-0A42-C866C03CBF53}"/>
+          </ac:picMkLst>
+        </pc:picChg>
+        <pc:picChg chg="add del">
+          <ac:chgData name="Maria Szawerna" userId="27f43607ae8ba673" providerId="LiveId" clId="{81431942-46A7-44A9-8F8D-419C497484FD}" dt="2023-01-11T18:12:11.354" v="2235" actId="22"/>
+          <ac:picMkLst>
+            <pc:docMk/>
+            <pc:sldMk cId="524949915" sldId="267"/>
+            <ac:picMk id="9" creationId="{F47E7B4C-80D7-A5C3-53FD-D3648F3C1681}"/>
+          </ac:picMkLst>
+        </pc:picChg>
+        <pc:picChg chg="add mod modCrop">
+          <ac:chgData name="Maria Szawerna" userId="27f43607ae8ba673" providerId="LiveId" clId="{81431942-46A7-44A9-8F8D-419C497484FD}" dt="2023-01-11T18:23:00.965" v="2550" actId="1076"/>
+          <ac:picMkLst>
+            <pc:docMk/>
+            <pc:sldMk cId="524949915" sldId="267"/>
+            <ac:picMk id="14" creationId="{BBAC4F18-EE0F-5996-FF7A-D6CFC88764CF}"/>
+          </ac:picMkLst>
+        </pc:picChg>
+        <pc:picChg chg="add mod modCrop">
+          <ac:chgData name="Maria Szawerna" userId="27f43607ae8ba673" providerId="LiveId" clId="{81431942-46A7-44A9-8F8D-419C497484FD}" dt="2023-01-11T18:23:00.658" v="2549" actId="1076"/>
+          <ac:picMkLst>
+            <pc:docMk/>
+            <pc:sldMk cId="524949915" sldId="267"/>
+            <ac:picMk id="16" creationId="{384932AE-7170-8E5E-863E-31BE08114640}"/>
+          </ac:picMkLst>
+        </pc:picChg>
+        <pc:picChg chg="add mod modCrop">
+          <ac:chgData name="Maria Szawerna" userId="27f43607ae8ba673" providerId="LiveId" clId="{81431942-46A7-44A9-8F8D-419C497484FD}" dt="2023-01-11T18:22:20.907" v="2529" actId="1076"/>
+          <ac:picMkLst>
+            <pc:docMk/>
+            <pc:sldMk cId="524949915" sldId="267"/>
+            <ac:picMk id="18" creationId="{247B3D21-07C6-5523-0905-5CE860F3499B}"/>
+          </ac:picMkLst>
+        </pc:picChg>
+        <pc:picChg chg="add mod modCrop">
+          <ac:chgData name="Maria Szawerna" userId="27f43607ae8ba673" providerId="LiveId" clId="{81431942-46A7-44A9-8F8D-419C497484FD}" dt="2023-01-11T18:22:20.907" v="2529" actId="1076"/>
+          <ac:picMkLst>
+            <pc:docMk/>
+            <pc:sldMk cId="524949915" sldId="267"/>
+            <ac:picMk id="20" creationId="{E4BB04FB-8ECF-5D1F-A057-FC263BB6362E}"/>
+          </ac:picMkLst>
+        </pc:picChg>
+        <pc:picChg chg="add mod modCrop">
+          <ac:chgData name="Maria Szawerna" userId="27f43607ae8ba673" providerId="LiveId" clId="{81431942-46A7-44A9-8F8D-419C497484FD}" dt="2023-01-11T18:22:20.907" v="2529" actId="1076"/>
+          <ac:picMkLst>
+            <pc:docMk/>
+            <pc:sldMk cId="524949915" sldId="267"/>
+            <ac:picMk id="22" creationId="{3D33AD53-A8FC-B292-2D94-A9F7F7BF0C03}"/>
+          </ac:picMkLst>
+        </pc:picChg>
+        <pc:picChg chg="add del mod modCrop">
+          <ac:chgData name="Maria Szawerna" userId="27f43607ae8ba673" providerId="LiveId" clId="{81431942-46A7-44A9-8F8D-419C497484FD}" dt="2023-01-11T18:21:47.813" v="2526" actId="478"/>
+          <ac:picMkLst>
+            <pc:docMk/>
+            <pc:sldMk cId="524949915" sldId="267"/>
+            <ac:picMk id="24" creationId="{2C32D655-8E20-737E-BA42-498A093EF72E}"/>
+          </ac:picMkLst>
+        </pc:picChg>
+        <pc:picChg chg="add mod">
+          <ac:chgData name="Maria Szawerna" userId="27f43607ae8ba673" providerId="LiveId" clId="{81431942-46A7-44A9-8F8D-419C497484FD}" dt="2023-01-11T18:22:29.595" v="2540" actId="1076"/>
+          <ac:picMkLst>
+            <pc:docMk/>
+            <pc:sldMk cId="524949915" sldId="267"/>
+            <ac:picMk id="26" creationId="{B6CB028B-F545-0A73-1224-FE54BC99B868}"/>
+          </ac:picMkLst>
+        </pc:picChg>
       </pc:sldChg>
       <pc:sldMasterChg chg="add del addSldLayout delSldLayout">
         <pc:chgData name="Maria Szawerna" userId="27f43607ae8ba673" providerId="LiveId" clId="{81431942-46A7-44A9-8F8D-419C497484FD}" dt="2023-01-06T11:52:00.206" v="23" actId="26606"/>
@@ -2127,6 +2260,101 @@
             <pc:docMk/>
             <pc:sldMasterMk cId="3319729854" sldId="2147483797"/>
             <pc:sldLayoutMk cId="1130933205" sldId="2147483796"/>
+          </pc:sldLayoutMkLst>
+        </pc:sldLayoutChg>
+      </pc:sldMasterChg>
+      <pc:sldMasterChg chg="modTransition modSldLayout">
+        <pc:chgData name="Maria Szawerna" userId="27f43607ae8ba673" providerId="LiveId" clId="{81431942-46A7-44A9-8F8D-419C497484FD}" dt="2023-01-11T18:06:49.217" v="2149"/>
+        <pc:sldMasterMkLst>
+          <pc:docMk/>
+          <pc:sldMasterMk cId="943825360" sldId="2147483798"/>
+        </pc:sldMasterMkLst>
+        <pc:sldLayoutChg chg="modTransition">
+          <pc:chgData name="Maria Szawerna" userId="27f43607ae8ba673" providerId="LiveId" clId="{81431942-46A7-44A9-8F8D-419C497484FD}" dt="2023-01-11T18:06:49.217" v="2149"/>
+          <pc:sldLayoutMkLst>
+            <pc:docMk/>
+            <pc:sldMasterMk cId="943825360" sldId="2147483798"/>
+            <pc:sldLayoutMk cId="3461529046" sldId="2147483799"/>
+          </pc:sldLayoutMkLst>
+        </pc:sldLayoutChg>
+        <pc:sldLayoutChg chg="modTransition">
+          <pc:chgData name="Maria Szawerna" userId="27f43607ae8ba673" providerId="LiveId" clId="{81431942-46A7-44A9-8F8D-419C497484FD}" dt="2023-01-11T18:06:49.217" v="2149"/>
+          <pc:sldLayoutMkLst>
+            <pc:docMk/>
+            <pc:sldMasterMk cId="943825360" sldId="2147483798"/>
+            <pc:sldLayoutMk cId="1301496614" sldId="2147483800"/>
+          </pc:sldLayoutMkLst>
+        </pc:sldLayoutChg>
+        <pc:sldLayoutChg chg="modTransition">
+          <pc:chgData name="Maria Szawerna" userId="27f43607ae8ba673" providerId="LiveId" clId="{81431942-46A7-44A9-8F8D-419C497484FD}" dt="2023-01-11T18:06:49.217" v="2149"/>
+          <pc:sldLayoutMkLst>
+            <pc:docMk/>
+            <pc:sldMasterMk cId="943825360" sldId="2147483798"/>
+            <pc:sldLayoutMk cId="977426451" sldId="2147483801"/>
+          </pc:sldLayoutMkLst>
+        </pc:sldLayoutChg>
+        <pc:sldLayoutChg chg="modTransition">
+          <pc:chgData name="Maria Szawerna" userId="27f43607ae8ba673" providerId="LiveId" clId="{81431942-46A7-44A9-8F8D-419C497484FD}" dt="2023-01-11T18:06:49.217" v="2149"/>
+          <pc:sldLayoutMkLst>
+            <pc:docMk/>
+            <pc:sldMasterMk cId="943825360" sldId="2147483798"/>
+            <pc:sldLayoutMk cId="3763044366" sldId="2147483802"/>
+          </pc:sldLayoutMkLst>
+        </pc:sldLayoutChg>
+        <pc:sldLayoutChg chg="modTransition">
+          <pc:chgData name="Maria Szawerna" userId="27f43607ae8ba673" providerId="LiveId" clId="{81431942-46A7-44A9-8F8D-419C497484FD}" dt="2023-01-11T18:06:49.217" v="2149"/>
+          <pc:sldLayoutMkLst>
+            <pc:docMk/>
+            <pc:sldMasterMk cId="943825360" sldId="2147483798"/>
+            <pc:sldLayoutMk cId="3152751921" sldId="2147483803"/>
+          </pc:sldLayoutMkLst>
+        </pc:sldLayoutChg>
+        <pc:sldLayoutChg chg="modTransition">
+          <pc:chgData name="Maria Szawerna" userId="27f43607ae8ba673" providerId="LiveId" clId="{81431942-46A7-44A9-8F8D-419C497484FD}" dt="2023-01-11T18:06:49.217" v="2149"/>
+          <pc:sldLayoutMkLst>
+            <pc:docMk/>
+            <pc:sldMasterMk cId="943825360" sldId="2147483798"/>
+            <pc:sldLayoutMk cId="1994093083" sldId="2147483804"/>
+          </pc:sldLayoutMkLst>
+        </pc:sldLayoutChg>
+        <pc:sldLayoutChg chg="modTransition">
+          <pc:chgData name="Maria Szawerna" userId="27f43607ae8ba673" providerId="LiveId" clId="{81431942-46A7-44A9-8F8D-419C497484FD}" dt="2023-01-11T18:06:49.217" v="2149"/>
+          <pc:sldLayoutMkLst>
+            <pc:docMk/>
+            <pc:sldMasterMk cId="943825360" sldId="2147483798"/>
+            <pc:sldLayoutMk cId="222016565" sldId="2147483805"/>
+          </pc:sldLayoutMkLst>
+        </pc:sldLayoutChg>
+        <pc:sldLayoutChg chg="modTransition">
+          <pc:chgData name="Maria Szawerna" userId="27f43607ae8ba673" providerId="LiveId" clId="{81431942-46A7-44A9-8F8D-419C497484FD}" dt="2023-01-11T18:06:49.217" v="2149"/>
+          <pc:sldLayoutMkLst>
+            <pc:docMk/>
+            <pc:sldMasterMk cId="943825360" sldId="2147483798"/>
+            <pc:sldLayoutMk cId="1024162937" sldId="2147483806"/>
+          </pc:sldLayoutMkLst>
+        </pc:sldLayoutChg>
+        <pc:sldLayoutChg chg="modTransition">
+          <pc:chgData name="Maria Szawerna" userId="27f43607ae8ba673" providerId="LiveId" clId="{81431942-46A7-44A9-8F8D-419C497484FD}" dt="2023-01-11T18:06:49.217" v="2149"/>
+          <pc:sldLayoutMkLst>
+            <pc:docMk/>
+            <pc:sldMasterMk cId="943825360" sldId="2147483798"/>
+            <pc:sldLayoutMk cId="2305332736" sldId="2147483807"/>
+          </pc:sldLayoutMkLst>
+        </pc:sldLayoutChg>
+        <pc:sldLayoutChg chg="modTransition">
+          <pc:chgData name="Maria Szawerna" userId="27f43607ae8ba673" providerId="LiveId" clId="{81431942-46A7-44A9-8F8D-419C497484FD}" dt="2023-01-11T18:06:49.217" v="2149"/>
+          <pc:sldLayoutMkLst>
+            <pc:docMk/>
+            <pc:sldMasterMk cId="943825360" sldId="2147483798"/>
+            <pc:sldLayoutMk cId="3531126214" sldId="2147483808"/>
+          </pc:sldLayoutMkLst>
+        </pc:sldLayoutChg>
+        <pc:sldLayoutChg chg="modTransition">
+          <pc:chgData name="Maria Szawerna" userId="27f43607ae8ba673" providerId="LiveId" clId="{81431942-46A7-44A9-8F8D-419C497484FD}" dt="2023-01-11T18:06:49.217" v="2149"/>
+          <pc:sldLayoutMkLst>
+            <pc:docMk/>
+            <pc:sldMasterMk cId="943825360" sldId="2147483798"/>
+            <pc:sldLayoutMk cId="49189126" sldId="2147483809"/>
           </pc:sldLayoutMkLst>
         </pc:sldLayoutChg>
       </pc:sldMasterChg>
@@ -2787,7 +3015,7 @@
           <a:p>
             <a:fld id="{11008460-8B2F-4AAA-A4E2-10730069204C}" type="datetimeFigureOut">
               <a:rPr lang="en-US" smtClean="0"/>
-              <a:t>1/6/2023</a:t>
+              <a:t>1/11/2023</a:t>
             </a:fld>
             <a:endParaRPr lang="en-US"/>
           </a:p>
@@ -2877,6 +3105,18 @@
   <p:clrMapOvr>
     <a:overrideClrMapping bg1="lt1" tx1="dk1" bg2="lt2" tx2="dk2" accent1="accent1" accent2="accent2" accent3="accent3" accent4="accent4" accent5="accent5" accent6="accent6" hlink="hlink" folHlink="folHlink"/>
   </p:clrMapOvr>
+  <mc:AlternateContent xmlns:mc="http://schemas.openxmlformats.org/markup-compatibility/2006">
+    <mc:Choice xmlns:p159="http://schemas.microsoft.com/office/powerpoint/2015/09/main" Requires="p159">
+      <p:transition xmlns:p14="http://schemas.microsoft.com/office/powerpoint/2010/main" spd="slow" p14:dur="2000">
+        <p159:morph option="byObject"/>
+      </p:transition>
+    </mc:Choice>
+    <mc:Fallback>
+      <p:transition spd="slow">
+        <p:fade/>
+      </p:transition>
+    </mc:Fallback>
+  </mc:AlternateContent>
 </p:sldLayout>
 </file>
 
@@ -2989,7 +3229,7 @@
           <a:p>
             <a:fld id="{11008460-8B2F-4AAA-A4E2-10730069204C}" type="datetimeFigureOut">
               <a:rPr lang="en-US" smtClean="0"/>
-              <a:t>1/6/2023</a:t>
+              <a:t>1/11/2023</a:t>
             </a:fld>
             <a:endParaRPr lang="en-US"/>
           </a:p>
@@ -3047,6 +3287,18 @@
   <p:clrMapOvr>
     <a:masterClrMapping/>
   </p:clrMapOvr>
+  <mc:AlternateContent xmlns:mc="http://schemas.openxmlformats.org/markup-compatibility/2006">
+    <mc:Choice xmlns:p159="http://schemas.microsoft.com/office/powerpoint/2015/09/main" Requires="p159">
+      <p:transition xmlns:p14="http://schemas.microsoft.com/office/powerpoint/2010/main" spd="slow" p14:dur="2000">
+        <p159:morph option="byObject"/>
+      </p:transition>
+    </mc:Choice>
+    <mc:Fallback>
+      <p:transition spd="slow">
+        <p:fade/>
+      </p:transition>
+    </mc:Fallback>
+  </mc:AlternateContent>
 </p:sldLayout>
 </file>
 
@@ -3169,7 +3421,7 @@
           <a:p>
             <a:fld id="{11008460-8B2F-4AAA-A4E2-10730069204C}" type="datetimeFigureOut">
               <a:rPr lang="en-US" smtClean="0"/>
-              <a:t>1/6/2023</a:t>
+              <a:t>1/11/2023</a:t>
             </a:fld>
             <a:endParaRPr lang="en-US"/>
           </a:p>
@@ -3227,6 +3479,18 @@
   <p:clrMapOvr>
     <a:masterClrMapping/>
   </p:clrMapOvr>
+  <mc:AlternateContent xmlns:mc="http://schemas.openxmlformats.org/markup-compatibility/2006">
+    <mc:Choice xmlns:p159="http://schemas.microsoft.com/office/powerpoint/2015/09/main" Requires="p159">
+      <p:transition xmlns:p14="http://schemas.microsoft.com/office/powerpoint/2010/main" spd="slow" p14:dur="2000">
+        <p159:morph option="byObject"/>
+      </p:transition>
+    </mc:Choice>
+    <mc:Fallback>
+      <p:transition spd="slow">
+        <p:fade/>
+      </p:transition>
+    </mc:Fallback>
+  </mc:AlternateContent>
 </p:sldLayout>
 </file>
 
@@ -3339,7 +3603,7 @@
           <a:p>
             <a:fld id="{11008460-8B2F-4AAA-A4E2-10730069204C}" type="datetimeFigureOut">
               <a:rPr lang="en-US" smtClean="0"/>
-              <a:t>1/6/2023</a:t>
+              <a:t>1/11/2023</a:t>
             </a:fld>
             <a:endParaRPr lang="en-US"/>
           </a:p>
@@ -3397,6 +3661,18 @@
   <p:clrMapOvr>
     <a:masterClrMapping/>
   </p:clrMapOvr>
+  <mc:AlternateContent xmlns:mc="http://schemas.openxmlformats.org/markup-compatibility/2006">
+    <mc:Choice xmlns:p159="http://schemas.microsoft.com/office/powerpoint/2015/09/main" Requires="p159">
+      <p:transition xmlns:p14="http://schemas.microsoft.com/office/powerpoint/2010/main" spd="slow" p14:dur="2000">
+        <p159:morph option="byObject"/>
+      </p:transition>
+    </mc:Choice>
+    <mc:Fallback>
+      <p:transition spd="slow">
+        <p:fade/>
+      </p:transition>
+    </mc:Fallback>
+  </mc:AlternateContent>
 </p:sldLayout>
 </file>
 
@@ -3910,7 +4186,7 @@
           <a:p>
             <a:fld id="{11008460-8B2F-4AAA-A4E2-10730069204C}" type="datetimeFigureOut">
               <a:rPr lang="en-US" smtClean="0"/>
-              <a:t>1/6/2023</a:t>
+              <a:t>1/11/2023</a:t>
             </a:fld>
             <a:endParaRPr lang="en-US"/>
           </a:p>
@@ -3982,6 +4258,18 @@
   <p:clrMapOvr>
     <a:overrideClrMapping bg1="lt1" tx1="dk1" bg2="lt2" tx2="dk2" accent1="accent1" accent2="accent2" accent3="accent3" accent4="accent4" accent5="accent5" accent6="accent6" hlink="hlink" folHlink="folHlink"/>
   </p:clrMapOvr>
+  <mc:AlternateContent xmlns:mc="http://schemas.openxmlformats.org/markup-compatibility/2006">
+    <mc:Choice xmlns:p159="http://schemas.microsoft.com/office/powerpoint/2015/09/main" Requires="p159">
+      <p:transition xmlns:p14="http://schemas.microsoft.com/office/powerpoint/2010/main" spd="slow" p14:dur="2000">
+        <p159:morph option="byObject"/>
+      </p:transition>
+    </mc:Choice>
+    <mc:Fallback>
+      <p:transition spd="slow">
+        <p:fade/>
+      </p:transition>
+    </mc:Fallback>
+  </mc:AlternateContent>
 </p:sldLayout>
 </file>
 
@@ -4212,7 +4500,7 @@
           <a:p>
             <a:fld id="{11008460-8B2F-4AAA-A4E2-10730069204C}" type="datetimeFigureOut">
               <a:rPr lang="en-US" smtClean="0"/>
-              <a:t>1/6/2023</a:t>
+              <a:t>1/11/2023</a:t>
             </a:fld>
             <a:endParaRPr lang="en-US"/>
           </a:p>
@@ -4270,6 +4558,18 @@
   <p:clrMapOvr>
     <a:masterClrMapping/>
   </p:clrMapOvr>
+  <mc:AlternateContent xmlns:mc="http://schemas.openxmlformats.org/markup-compatibility/2006">
+    <mc:Choice xmlns:p159="http://schemas.microsoft.com/office/powerpoint/2015/09/main" Requires="p159">
+      <p:transition xmlns:p14="http://schemas.microsoft.com/office/powerpoint/2010/main" spd="slow" p14:dur="2000">
+        <p159:morph option="byObject"/>
+      </p:transition>
+    </mc:Choice>
+    <mc:Fallback>
+      <p:transition spd="slow">
+        <p:fade/>
+      </p:transition>
+    </mc:Fallback>
+  </mc:AlternateContent>
 </p:sldLayout>
 </file>
 
@@ -4649,7 +4949,7 @@
           <a:p>
             <a:fld id="{11008460-8B2F-4AAA-A4E2-10730069204C}" type="datetimeFigureOut">
               <a:rPr lang="en-US" smtClean="0"/>
-              <a:t>1/6/2023</a:t>
+              <a:t>1/11/2023</a:t>
             </a:fld>
             <a:endParaRPr lang="en-US"/>
           </a:p>
@@ -4707,6 +5007,18 @@
   <p:clrMapOvr>
     <a:masterClrMapping/>
   </p:clrMapOvr>
+  <mc:AlternateContent xmlns:mc="http://schemas.openxmlformats.org/markup-compatibility/2006">
+    <mc:Choice xmlns:p159="http://schemas.microsoft.com/office/powerpoint/2015/09/main" Requires="p159">
+      <p:transition xmlns:p14="http://schemas.microsoft.com/office/powerpoint/2010/main" spd="slow" p14:dur="2000">
+        <p159:morph option="byObject"/>
+      </p:transition>
+    </mc:Choice>
+    <mc:Fallback>
+      <p:transition spd="slow">
+        <p:fade/>
+      </p:transition>
+    </mc:Fallback>
+  </mc:AlternateContent>
 </p:sldLayout>
 </file>
 
@@ -4767,7 +5079,7 @@
           <a:p>
             <a:fld id="{11008460-8B2F-4AAA-A4E2-10730069204C}" type="datetimeFigureOut">
               <a:rPr lang="en-US" smtClean="0"/>
-              <a:t>1/6/2023</a:t>
+              <a:t>1/11/2023</a:t>
             </a:fld>
             <a:endParaRPr lang="en-US"/>
           </a:p>
@@ -4825,6 +5137,18 @@
   <p:clrMapOvr>
     <a:masterClrMapping/>
   </p:clrMapOvr>
+  <mc:AlternateContent xmlns:mc="http://schemas.openxmlformats.org/markup-compatibility/2006">
+    <mc:Choice xmlns:p159="http://schemas.microsoft.com/office/powerpoint/2015/09/main" Requires="p159">
+      <p:transition xmlns:p14="http://schemas.microsoft.com/office/powerpoint/2010/main" spd="slow" p14:dur="2000">
+        <p159:morph option="byObject"/>
+      </p:transition>
+    </mc:Choice>
+    <mc:Fallback>
+      <p:transition spd="slow">
+        <p:fade/>
+      </p:transition>
+    </mc:Fallback>
+  </mc:AlternateContent>
 </p:sldLayout>
 </file>
 
@@ -4862,7 +5186,7 @@
           <a:p>
             <a:fld id="{11008460-8B2F-4AAA-A4E2-10730069204C}" type="datetimeFigureOut">
               <a:rPr lang="en-US" smtClean="0"/>
-              <a:t>1/6/2023</a:t>
+              <a:t>1/11/2023</a:t>
             </a:fld>
             <a:endParaRPr lang="en-US"/>
           </a:p>
@@ -4920,6 +5244,18 @@
   <p:clrMapOvr>
     <a:masterClrMapping/>
   </p:clrMapOvr>
+  <mc:AlternateContent xmlns:mc="http://schemas.openxmlformats.org/markup-compatibility/2006">
+    <mc:Choice xmlns:p159="http://schemas.microsoft.com/office/powerpoint/2015/09/main" Requires="p159">
+      <p:transition xmlns:p14="http://schemas.microsoft.com/office/powerpoint/2010/main" spd="slow" p14:dur="2000">
+        <p159:morph option="byObject"/>
+      </p:transition>
+    </mc:Choice>
+    <mc:Fallback>
+      <p:transition spd="slow">
+        <p:fade/>
+      </p:transition>
+    </mc:Fallback>
+  </mc:AlternateContent>
 </p:sldLayout>
 </file>
 
@@ -5244,7 +5580,7 @@
           <a:p>
             <a:fld id="{11008460-8B2F-4AAA-A4E2-10730069204C}" type="datetimeFigureOut">
               <a:rPr lang="en-US" smtClean="0"/>
-              <a:t>1/6/2023</a:t>
+              <a:t>1/11/2023</a:t>
             </a:fld>
             <a:endParaRPr lang="en-US"/>
           </a:p>
@@ -5358,6 +5694,18 @@
   <p:clrMapOvr>
     <a:masterClrMapping/>
   </p:clrMapOvr>
+  <mc:AlternateContent xmlns:mc="http://schemas.openxmlformats.org/markup-compatibility/2006">
+    <mc:Choice xmlns:p159="http://schemas.microsoft.com/office/powerpoint/2015/09/main" Requires="p159">
+      <p:transition xmlns:p14="http://schemas.microsoft.com/office/powerpoint/2010/main" spd="slow" p14:dur="2000">
+        <p159:morph option="byObject"/>
+      </p:transition>
+    </mc:Choice>
+    <mc:Fallback>
+      <p:transition spd="slow">
+        <p:fade/>
+      </p:transition>
+    </mc:Fallback>
+  </mc:AlternateContent>
 </p:sldLayout>
 </file>
 
@@ -5638,7 +5986,7 @@
           <a:p>
             <a:fld id="{11008460-8B2F-4AAA-A4E2-10730069204C}" type="datetimeFigureOut">
               <a:rPr lang="en-US" smtClean="0"/>
-              <a:t>1/6/2023</a:t>
+              <a:t>1/11/2023</a:t>
             </a:fld>
             <a:endParaRPr lang="en-US"/>
           </a:p>
@@ -5766,6 +6114,18 @@
   <p:clrMapOvr>
     <a:masterClrMapping/>
   </p:clrMapOvr>
+  <mc:AlternateContent xmlns:mc="http://schemas.openxmlformats.org/markup-compatibility/2006">
+    <mc:Choice xmlns:p159="http://schemas.microsoft.com/office/powerpoint/2015/09/main" Requires="p159">
+      <p:transition xmlns:p14="http://schemas.microsoft.com/office/powerpoint/2010/main" spd="slow" p14:dur="2000">
+        <p159:morph option="byObject"/>
+      </p:transition>
+    </mc:Choice>
+    <mc:Fallback>
+      <p:transition spd="slow">
+        <p:fade/>
+      </p:transition>
+    </mc:Fallback>
+  </mc:AlternateContent>
 </p:sldLayout>
 </file>
 
@@ -5952,7 +6312,7 @@
             <a:fld id="{11008460-8B2F-4AAA-A4E2-10730069204C}" type="datetimeFigureOut">
               <a:rPr lang="en-US" smtClean="0"/>
               <a:pPr/>
-              <a:t>1/6/2023</a:t>
+              <a:t>1/11/2023</a:t>
             </a:fld>
             <a:endParaRPr lang="en-US" dirty="0"/>
           </a:p>
@@ -6060,6 +6420,18 @@
     <p:sldLayoutId id="2147483808" r:id="rId10"/>
     <p:sldLayoutId id="2147483809" r:id="rId11"/>
   </p:sldLayoutIdLst>
+  <mc:AlternateContent xmlns:mc="http://schemas.openxmlformats.org/markup-compatibility/2006">
+    <mc:Choice xmlns:p159="http://schemas.microsoft.com/office/powerpoint/2015/09/main" Requires="p159">
+      <p:transition xmlns:p14="http://schemas.microsoft.com/office/powerpoint/2010/main" spd="slow" p14:dur="2000">
+        <p159:morph option="byObject"/>
+      </p:transition>
+    </mc:Choice>
+    <mc:Fallback>
+      <p:transition spd="slow">
+        <p:fade/>
+      </p:transition>
+    </mc:Fallback>
+  </mc:AlternateContent>
   <p:txStyles>
     <p:titleStyle>
       <a:lvl1pPr algn="l" defTabSz="914400" rtl="0" eaLnBrk="1" latinLnBrk="0" hangingPunct="1">
@@ -6617,7 +6989,7 @@
               </a:spcAft>
             </a:pPr>
             <a:r>
-              <a:rPr lang="pl-PL" sz="1000"/>
+              <a:rPr lang="pl-PL" sz="1000" dirty="0"/>
               <a:t>A project by </a:t>
             </a:r>
           </a:p>
@@ -6634,10 +7006,10 @@
               </a:spcAft>
             </a:pPr>
             <a:r>
-              <a:rPr lang="pl-PL" sz="1000"/>
-              <a:t>Maria irena szawerna for LT2314 Language Technology ResourceS</a:t>
-            </a:r>
-            <a:endParaRPr lang="en-GB" sz="1000"/>
+              <a:rPr lang="pl-PL" sz="1000" dirty="0"/>
+              <a:t>Maria Irena Szawerna for LT2314 Language Technology Resources</a:t>
+            </a:r>
+            <a:endParaRPr lang="en-GB" sz="1000" dirty="0"/>
           </a:p>
         </p:txBody>
       </p:sp>
@@ -6883,6 +7255,18 @@
   <p:clrMapOvr>
     <a:masterClrMapping/>
   </p:clrMapOvr>
+  <mc:AlternateContent xmlns:mc="http://schemas.openxmlformats.org/markup-compatibility/2006">
+    <mc:Choice xmlns:p159="http://schemas.microsoft.com/office/powerpoint/2015/09/main" Requires="p159">
+      <p:transition xmlns:p14="http://schemas.microsoft.com/office/powerpoint/2010/main" spd="slow" p14:dur="2000">
+        <p159:morph option="byObject"/>
+      </p:transition>
+    </mc:Choice>
+    <mc:Fallback>
+      <p:transition spd="slow">
+        <p:fade/>
+      </p:transition>
+    </mc:Fallback>
+  </mc:AlternateContent>
 </p:sld>
 </file>
 
@@ -6908,7 +7292,7 @@
           <p:cNvPr id="2" name="Title 1">
             <a:extLst>
               <a:ext uri="{FF2B5EF4-FFF2-40B4-BE49-F238E27FC236}">
-                <a16:creationId xmlns:a16="http://schemas.microsoft.com/office/drawing/2014/main" id="{8B594B19-FBB6-4818-B595-4BBFF289BE91}"/>
+                <a16:creationId xmlns:a16="http://schemas.microsoft.com/office/drawing/2014/main" id="{3A73C4BC-B54A-6E81-B4DF-80FD487EBFEC}"/>
               </a:ext>
             </a:extLst>
           </p:cNvPr>
@@ -6926,7 +7310,7 @@
           <a:p>
             <a:r>
               <a:rPr lang="pl-PL" dirty="0"/>
-              <a:t>Future Work	</a:t>
+              <a:t>Discussion</a:t>
             </a:r>
             <a:endParaRPr lang="en-GB" dirty="0"/>
           </a:p>
@@ -6937,7 +7321,7 @@
           <p:cNvPr id="3" name="Content Placeholder 2">
             <a:extLst>
               <a:ext uri="{FF2B5EF4-FFF2-40B4-BE49-F238E27FC236}">
-                <a16:creationId xmlns:a16="http://schemas.microsoft.com/office/drawing/2014/main" id="{DA20BE34-DB9F-B951-93DE-910302DCF3BC}"/>
+                <a16:creationId xmlns:a16="http://schemas.microsoft.com/office/drawing/2014/main" id="{163AE487-C1CE-40CA-088A-961D8ACF35E0}"/>
               </a:ext>
             </a:extLst>
           </p:cNvPr>
@@ -6957,32 +7341,22 @@
           <a:p>
             <a:r>
               <a:rPr lang="pl-PL" sz="2400" dirty="0"/>
-              <a:t>Influence of punctuation.</a:t>
+              <a:t>Performance better than expected (above 80%).</a:t>
             </a:r>
           </a:p>
           <a:p>
             <a:r>
               <a:rPr lang="pl-PL" sz="2400" dirty="0"/>
-              <a:t>Testing other taggers on the same data.</a:t>
+              <a:t>Issues similar to the ones described in the literature, except the confusing endings.</a:t>
             </a:r>
           </a:p>
           <a:p>
             <a:r>
               <a:rPr lang="pl-PL" sz="2400" dirty="0"/>
-              <a:t>Testing this tagger on different kinds of historical data.</a:t>
-            </a:r>
-          </a:p>
-          <a:p>
-            <a:r>
-              <a:rPr lang="pl-PL" sz="2400" dirty="0"/>
-              <a:t>Testing taggers on modern nonstandard data.</a:t>
-            </a:r>
-          </a:p>
-          <a:p>
-            <a:r>
-              <a:rPr lang="pl-PL" sz="2400" dirty="0"/>
-              <a:t>Developing methods for preprocessing the data.</a:t>
-            </a:r>
+              <a:t>Lowercasing the data does not bring obvious benefits, and is detrimental to PROPN detection.</a:t>
+            </a:r>
+          </a:p>
+          <a:p>
             <a:endParaRPr lang="en-GB" sz="2400" dirty="0"/>
           </a:p>
         </p:txBody>
@@ -6990,13 +7364,25 @@
     </p:spTree>
     <p:extLst>
       <p:ext uri="{BB962C8B-B14F-4D97-AF65-F5344CB8AC3E}">
-        <p14:creationId xmlns:p14="http://schemas.microsoft.com/office/powerpoint/2010/main" val="2734707065"/>
+        <p14:creationId xmlns:p14="http://schemas.microsoft.com/office/powerpoint/2010/main" val="1452733498"/>
       </p:ext>
     </p:extLst>
   </p:cSld>
   <p:clrMapOvr>
     <a:masterClrMapping/>
   </p:clrMapOvr>
+  <mc:AlternateContent xmlns:mc="http://schemas.openxmlformats.org/markup-compatibility/2006">
+    <mc:Choice xmlns:p159="http://schemas.microsoft.com/office/powerpoint/2015/09/main" Requires="p159">
+      <p:transition xmlns:p14="http://schemas.microsoft.com/office/powerpoint/2010/main" spd="slow" p14:dur="2000">
+        <p159:morph option="byObject"/>
+      </p:transition>
+    </mc:Choice>
+    <mc:Fallback>
+      <p:transition spd="slow">
+        <p:fade/>
+      </p:transition>
+    </mc:Fallback>
+  </mc:AlternateContent>
 </p:sld>
 </file>
 
@@ -7019,6 +7405,132 @@
       </p:grpSpPr>
       <p:sp>
         <p:nvSpPr>
+          <p:cNvPr id="2" name="Title 1">
+            <a:extLst>
+              <a:ext uri="{FF2B5EF4-FFF2-40B4-BE49-F238E27FC236}">
+                <a16:creationId xmlns:a16="http://schemas.microsoft.com/office/drawing/2014/main" id="{8B594B19-FBB6-4818-B595-4BBFF289BE91}"/>
+              </a:ext>
+            </a:extLst>
+          </p:cNvPr>
+          <p:cNvSpPr>
+            <a:spLocks noGrp="1"/>
+          </p:cNvSpPr>
+          <p:nvPr>
+            <p:ph type="title"/>
+          </p:nvPr>
+        </p:nvSpPr>
+        <p:spPr/>
+        <p:txBody>
+          <a:bodyPr/>
+          <a:lstStyle/>
+          <a:p>
+            <a:r>
+              <a:rPr lang="pl-PL" dirty="0"/>
+              <a:t>Future Work	</a:t>
+            </a:r>
+            <a:endParaRPr lang="en-GB" dirty="0"/>
+          </a:p>
+        </p:txBody>
+      </p:sp>
+      <p:sp>
+        <p:nvSpPr>
+          <p:cNvPr id="3" name="Content Placeholder 2">
+            <a:extLst>
+              <a:ext uri="{FF2B5EF4-FFF2-40B4-BE49-F238E27FC236}">
+                <a16:creationId xmlns:a16="http://schemas.microsoft.com/office/drawing/2014/main" id="{DA20BE34-DB9F-B951-93DE-910302DCF3BC}"/>
+              </a:ext>
+            </a:extLst>
+          </p:cNvPr>
+          <p:cNvSpPr>
+            <a:spLocks noGrp="1"/>
+          </p:cNvSpPr>
+          <p:nvPr>
+            <p:ph idx="1"/>
+          </p:nvPr>
+        </p:nvSpPr>
+        <p:spPr/>
+        <p:txBody>
+          <a:bodyPr>
+            <a:normAutofit/>
+          </a:bodyPr>
+          <a:lstStyle/>
+          <a:p>
+            <a:r>
+              <a:rPr lang="pl-PL" sz="2400" dirty="0"/>
+              <a:t>Influence of punctuation.</a:t>
+            </a:r>
+          </a:p>
+          <a:p>
+            <a:r>
+              <a:rPr lang="pl-PL" sz="2400" dirty="0"/>
+              <a:t>Testing other taggers on the same data.</a:t>
+            </a:r>
+          </a:p>
+          <a:p>
+            <a:r>
+              <a:rPr lang="pl-PL" sz="2400" dirty="0"/>
+              <a:t>Testing this tagger on different kinds of historical data.</a:t>
+            </a:r>
+          </a:p>
+          <a:p>
+            <a:r>
+              <a:rPr lang="pl-PL" sz="2400" dirty="0"/>
+              <a:t>Testing taggers on modern nonstandard data.</a:t>
+            </a:r>
+          </a:p>
+          <a:p>
+            <a:r>
+              <a:rPr lang="pl-PL" sz="2400" dirty="0"/>
+              <a:t>Developing methods for preprocessing the data.</a:t>
+            </a:r>
+            <a:endParaRPr lang="en-GB" sz="2400" dirty="0"/>
+          </a:p>
+        </p:txBody>
+      </p:sp>
+    </p:spTree>
+    <p:extLst>
+      <p:ext uri="{BB962C8B-B14F-4D97-AF65-F5344CB8AC3E}">
+        <p14:creationId xmlns:p14="http://schemas.microsoft.com/office/powerpoint/2010/main" val="2734707065"/>
+      </p:ext>
+    </p:extLst>
+  </p:cSld>
+  <p:clrMapOvr>
+    <a:masterClrMapping/>
+  </p:clrMapOvr>
+  <mc:AlternateContent xmlns:mc="http://schemas.openxmlformats.org/markup-compatibility/2006">
+    <mc:Choice xmlns:p159="http://schemas.microsoft.com/office/powerpoint/2015/09/main" Requires="p159">
+      <p:transition xmlns:p14="http://schemas.microsoft.com/office/powerpoint/2010/main" spd="slow" p14:dur="2000">
+        <p159:morph option="byObject"/>
+      </p:transition>
+    </mc:Choice>
+    <mc:Fallback>
+      <p:transition spd="slow">
+        <p:fade/>
+      </p:transition>
+    </mc:Fallback>
+  </mc:AlternateContent>
+</p:sld>
+</file>
+
+<file path=ppt/slides/slide12.xml><?xml version="1.0" encoding="utf-8"?>
+<p:sld xmlns:a="http://schemas.openxmlformats.org/drawingml/2006/main" xmlns:r="http://schemas.openxmlformats.org/officeDocument/2006/relationships" xmlns:p="http://schemas.openxmlformats.org/presentationml/2006/main">
+  <p:cSld>
+    <p:spTree>
+      <p:nvGrpSpPr>
+        <p:cNvPr id="1" name=""/>
+        <p:cNvGrpSpPr/>
+        <p:nvPr/>
+      </p:nvGrpSpPr>
+      <p:grpSpPr>
+        <a:xfrm>
+          <a:off x="0" y="0"/>
+          <a:ext cx="0" cy="0"/>
+          <a:chOff x="0" y="0"/>
+          <a:chExt cx="0" cy="0"/>
+        </a:xfrm>
+      </p:grpSpPr>
+      <p:sp>
+        <p:nvSpPr>
           <p:cNvPr id="4" name="Title 3">
             <a:extLst>
               <a:ext uri="{FF2B5EF4-FFF2-40B4-BE49-F238E27FC236}">
@@ -7081,6 +7593,18 @@
   <p:clrMapOvr>
     <a:masterClrMapping/>
   </p:clrMapOvr>
+  <mc:AlternateContent xmlns:mc="http://schemas.openxmlformats.org/markup-compatibility/2006">
+    <mc:Choice xmlns:p159="http://schemas.microsoft.com/office/powerpoint/2015/09/main" Requires="p159">
+      <p:transition xmlns:p14="http://schemas.microsoft.com/office/powerpoint/2010/main" spd="slow" p14:dur="2000">
+        <p159:morph option="byObject"/>
+      </p:transition>
+    </mc:Choice>
+    <mc:Fallback>
+      <p:transition spd="slow">
+        <p:fade/>
+      </p:transition>
+    </mc:Fallback>
+  </mc:AlternateContent>
 </p:sld>
 </file>
 
@@ -7202,6 +7726,18 @@
   <p:clrMapOvr>
     <a:masterClrMapping/>
   </p:clrMapOvr>
+  <mc:AlternateContent xmlns:mc="http://schemas.openxmlformats.org/markup-compatibility/2006">
+    <mc:Choice xmlns:p159="http://schemas.microsoft.com/office/powerpoint/2015/09/main" Requires="p159">
+      <p:transition xmlns:p14="http://schemas.microsoft.com/office/powerpoint/2010/main" spd="slow" p14:dur="2000">
+        <p159:morph option="byObject"/>
+      </p:transition>
+    </mc:Choice>
+    <mc:Fallback>
+      <p:transition spd="slow">
+        <p:fade/>
+      </p:transition>
+    </mc:Fallback>
+  </mc:AlternateContent>
 </p:sld>
 </file>
 
@@ -8350,6 +8886,18 @@
   <p:clrMapOvr>
     <a:masterClrMapping/>
   </p:clrMapOvr>
+  <mc:AlternateContent xmlns:mc="http://schemas.openxmlformats.org/markup-compatibility/2006">
+    <mc:Choice xmlns:p159="http://schemas.microsoft.com/office/powerpoint/2015/09/main" Requires="p159">
+      <p:transition xmlns:p14="http://schemas.microsoft.com/office/powerpoint/2010/main" spd="slow" p14:dur="2000">
+        <p159:morph option="byObject"/>
+      </p:transition>
+    </mc:Choice>
+    <mc:Fallback>
+      <p:transition spd="slow">
+        <p:fade/>
+      </p:transition>
+    </mc:Fallback>
+  </mc:AlternateContent>
 </p:sld>
 </file>
 
@@ -8466,6 +9014,18 @@
   <p:clrMapOvr>
     <a:masterClrMapping/>
   </p:clrMapOvr>
+  <mc:AlternateContent xmlns:mc="http://schemas.openxmlformats.org/markup-compatibility/2006">
+    <mc:Choice xmlns:p159="http://schemas.microsoft.com/office/powerpoint/2015/09/main" Requires="p159">
+      <p:transition xmlns:p14="http://schemas.microsoft.com/office/powerpoint/2010/main" spd="slow" p14:dur="2000">
+        <p159:morph option="byObject"/>
+      </p:transition>
+    </mc:Choice>
+    <mc:Fallback>
+      <p:transition spd="slow">
+        <p:fade/>
+      </p:transition>
+    </mc:Fallback>
+  </mc:AlternateContent>
 </p:sld>
 </file>
 
@@ -9774,6 +10334,18 @@
   <p:clrMapOvr>
     <a:masterClrMapping/>
   </p:clrMapOvr>
+  <mc:AlternateContent xmlns:mc="http://schemas.openxmlformats.org/markup-compatibility/2006">
+    <mc:Choice xmlns:p159="http://schemas.microsoft.com/office/powerpoint/2015/09/main" Requires="p159">
+      <p:transition xmlns:p14="http://schemas.microsoft.com/office/powerpoint/2010/main" spd="slow" p14:dur="2000">
+        <p159:morph option="byObject"/>
+      </p:transition>
+    </mc:Choice>
+    <mc:Fallback>
+      <p:transition spd="slow">
+        <p:fade/>
+      </p:transition>
+    </mc:Fallback>
+  </mc:AlternateContent>
 </p:sld>
 </file>
 
@@ -9887,6 +10459,18 @@
   <p:clrMapOvr>
     <a:masterClrMapping/>
   </p:clrMapOvr>
+  <mc:AlternateContent xmlns:mc="http://schemas.openxmlformats.org/markup-compatibility/2006">
+    <mc:Choice xmlns:p159="http://schemas.microsoft.com/office/powerpoint/2015/09/main" Requires="p159">
+      <p:transition xmlns:p14="http://schemas.microsoft.com/office/powerpoint/2010/main" spd="slow" p14:dur="2000">
+        <p159:morph option="byObject"/>
+      </p:transition>
+    </mc:Choice>
+    <mc:Fallback>
+      <p:transition spd="slow">
+        <p:fade/>
+      </p:transition>
+    </mc:Fallback>
+  </mc:AlternateContent>
 </p:sld>
 </file>
 
@@ -10007,6 +10591,18 @@
   <p:clrMapOvr>
     <a:masterClrMapping/>
   </p:clrMapOvr>
+  <mc:AlternateContent xmlns:mc="http://schemas.openxmlformats.org/markup-compatibility/2006">
+    <mc:Choice xmlns:p159="http://schemas.microsoft.com/office/powerpoint/2015/09/main" Requires="p159">
+      <p:transition xmlns:p14="http://schemas.microsoft.com/office/powerpoint/2010/main" spd="slow" p14:dur="2000">
+        <p159:morph option="byObject"/>
+      </p:transition>
+    </mc:Choice>
+    <mc:Fallback>
+      <p:transition spd="slow">
+        <p:fade/>
+      </p:transition>
+    </mc:Fallback>
+  </mc:AlternateContent>
 </p:sld>
 </file>
 
@@ -10625,6 +11221,18 @@
   <p:clrMapOvr>
     <a:masterClrMapping/>
   </p:clrMapOvr>
+  <mc:AlternateContent xmlns:mc="http://schemas.openxmlformats.org/markup-compatibility/2006">
+    <mc:Choice xmlns:p159="http://schemas.microsoft.com/office/powerpoint/2015/09/main" Requires="p159">
+      <p:transition xmlns:p14="http://schemas.microsoft.com/office/powerpoint/2010/main" spd="slow" p14:dur="2000">
+        <p159:morph option="byObject"/>
+      </p:transition>
+    </mc:Choice>
+    <mc:Fallback>
+      <p:transition spd="slow">
+        <p:fade/>
+      </p:transition>
+    </mc:Fallback>
+  </mc:AlternateContent>
 </p:sld>
 </file>
 
@@ -10650,7 +11258,7 @@
           <p:cNvPr id="2" name="Title 1">
             <a:extLst>
               <a:ext uri="{FF2B5EF4-FFF2-40B4-BE49-F238E27FC236}">
-                <a16:creationId xmlns:a16="http://schemas.microsoft.com/office/drawing/2014/main" id="{3A73C4BC-B54A-6E81-B4DF-80FD487EBFEC}"/>
+                <a16:creationId xmlns:a16="http://schemas.microsoft.com/office/drawing/2014/main" id="{EC2E967B-77DF-E62B-59EF-7945C1017AFE}"/>
               </a:ext>
             </a:extLst>
           </p:cNvPr>
@@ -10661,14 +11269,21 @@
             <p:ph type="title"/>
           </p:nvPr>
         </p:nvSpPr>
-        <p:spPr/>
+        <p:spPr>
+          <a:xfrm>
+            <a:off x="1066800" y="642594"/>
+            <a:ext cx="10058400" cy="1371600"/>
+          </a:xfrm>
+        </p:spPr>
         <p:txBody>
-          <a:bodyPr/>
+          <a:bodyPr>
+            <a:normAutofit fontScale="90000"/>
+          </a:bodyPr>
           <a:lstStyle/>
           <a:p>
             <a:r>
               <a:rPr lang="pl-PL" dirty="0"/>
-              <a:t>Discussion</a:t>
+              <a:t>Errors: examples (original capitalization)</a:t>
             </a:r>
             <a:endParaRPr lang="en-GB" dirty="0"/>
           </a:p>
@@ -10679,7 +11294,7 @@
           <p:cNvPr id="3" name="Content Placeholder 2">
             <a:extLst>
               <a:ext uri="{FF2B5EF4-FFF2-40B4-BE49-F238E27FC236}">
-                <a16:creationId xmlns:a16="http://schemas.microsoft.com/office/drawing/2014/main" id="{163AE487-C1CE-40CA-088A-961D8ACF35E0}"/>
+                <a16:creationId xmlns:a16="http://schemas.microsoft.com/office/drawing/2014/main" id="{4585B10F-805D-CB38-EAE9-6677BDBADC35}"/>
               </a:ext>
             </a:extLst>
           </p:cNvPr>
@@ -10690,45 +11305,332 @@
             <p:ph idx="1"/>
           </p:nvPr>
         </p:nvSpPr>
-        <p:spPr/>
+        <p:spPr>
+          <a:xfrm>
+            <a:off x="1066800" y="2283486"/>
+            <a:ext cx="10058400" cy="3931920"/>
+          </a:xfrm>
+        </p:spPr>
         <p:txBody>
-          <a:bodyPr>
-            <a:normAutofit/>
-          </a:bodyPr>
+          <a:bodyPr/>
           <a:lstStyle/>
           <a:p>
             <a:r>
-              <a:rPr lang="pl-PL" sz="2400" dirty="0"/>
-              <a:t>Performance better than expected (above 80%).</a:t>
-            </a:r>
-          </a:p>
-          <a:p>
-            <a:r>
-              <a:rPr lang="pl-PL" sz="2400" dirty="0"/>
-              <a:t>Issues similar to the ones described in the literature, except the confusing endings.</a:t>
-            </a:r>
-          </a:p>
-          <a:p>
-            <a:r>
-              <a:rPr lang="pl-PL" sz="2400" dirty="0"/>
-              <a:t>Lowercasing the data does not bring obvious benefits, and is detrimental to PROPN detection.</a:t>
-            </a:r>
-          </a:p>
-          <a:p>
-            <a:endParaRPr lang="en-GB" sz="2400" dirty="0"/>
+              <a:rPr lang="pl-PL" dirty="0"/>
+              <a:t>Word-final </a:t>
+            </a:r>
+            <a:r>
+              <a:rPr lang="pl-PL" i="1" dirty="0"/>
+              <a:t>y</a:t>
+            </a:r>
+            <a:r>
+              <a:rPr lang="pl-PL" dirty="0"/>
+              <a:t> instead of </a:t>
+            </a:r>
+            <a:r>
+              <a:rPr lang="pl-PL" i="1" dirty="0"/>
+              <a:t>j</a:t>
+            </a:r>
+            <a:r>
+              <a:rPr lang="pl-PL" dirty="0"/>
+              <a:t>: </a:t>
+            </a:r>
+          </a:p>
+          <a:p>
+            <a:pPr>
+              <a:lnSpc>
+                <a:spcPct val="150000"/>
+              </a:lnSpc>
+            </a:pPr>
+            <a:r>
+              <a:rPr lang="pl-PL" dirty="0"/>
+              <a:t>Ambiguous word class: </a:t>
+            </a:r>
+          </a:p>
+          <a:p>
+            <a:pPr>
+              <a:lnSpc>
+                <a:spcPct val="150000"/>
+              </a:lnSpc>
+            </a:pPr>
+            <a:r>
+              <a:rPr lang="pl-PL" dirty="0"/>
+              <a:t>Archaic or nonstandard spelling:</a:t>
+            </a:r>
+          </a:p>
+          <a:p>
+            <a:pPr>
+              <a:lnSpc>
+                <a:spcPct val="150000"/>
+              </a:lnSpc>
+            </a:pPr>
+            <a:r>
+              <a:rPr lang="pl-PL" dirty="0"/>
+              <a:t>Nonstandard capitalization: </a:t>
+            </a:r>
+          </a:p>
+          <a:p>
+            <a:pPr>
+              <a:lnSpc>
+                <a:spcPct val="150000"/>
+              </a:lnSpc>
+            </a:pPr>
+            <a:r>
+              <a:rPr lang="pl-PL" dirty="0"/>
+              <a:t>Surnames (adjectival paradigm):</a:t>
+            </a:r>
+          </a:p>
+          <a:p>
+            <a:pPr>
+              <a:lnSpc>
+                <a:spcPct val="150000"/>
+              </a:lnSpc>
+            </a:pPr>
+            <a:r>
+              <a:rPr lang="pl-PL" dirty="0"/>
+              <a:t>UD annotation-induced class ambiguity: </a:t>
+            </a:r>
+          </a:p>
+          <a:p>
+            <a:pPr>
+              <a:lnSpc>
+                <a:spcPct val="150000"/>
+              </a:lnSpc>
+            </a:pPr>
+            <a:r>
+              <a:rPr lang="pl-PL" dirty="0"/>
+              <a:t>Lexical/grammatical similarity to Polish:   </a:t>
+            </a:r>
+            <a:endParaRPr lang="en-GB" dirty="0"/>
           </a:p>
         </p:txBody>
       </p:sp>
+      <p:pic>
+        <p:nvPicPr>
+          <p:cNvPr id="7" name="Picture 6">
+            <a:extLst>
+              <a:ext uri="{FF2B5EF4-FFF2-40B4-BE49-F238E27FC236}">
+                <a16:creationId xmlns:a16="http://schemas.microsoft.com/office/drawing/2014/main" id="{A85C377A-EFED-2B79-0A42-C866C03CBF53}"/>
+              </a:ext>
+            </a:extLst>
+          </p:cNvPr>
+          <p:cNvPicPr>
+            <a:picLocks noChangeAspect="1"/>
+          </p:cNvPicPr>
+          <p:nvPr/>
+        </p:nvPicPr>
+        <p:blipFill rotWithShape="1">
+          <a:blip r:embed="rId2"/>
+          <a:srcRect t="27028" b="19999"/>
+          <a:stretch/>
+        </p:blipFill>
+        <p:spPr>
+          <a:xfrm>
+            <a:off x="4309733" y="2378737"/>
+            <a:ext cx="5962650" cy="186690"/>
+          </a:xfrm>
+          <a:prstGeom prst="rect">
+            <a:avLst/>
+          </a:prstGeom>
+        </p:spPr>
+      </p:pic>
+      <p:pic>
+        <p:nvPicPr>
+          <p:cNvPr id="14" name="Picture 13">
+            <a:extLst>
+              <a:ext uri="{FF2B5EF4-FFF2-40B4-BE49-F238E27FC236}">
+                <a16:creationId xmlns:a16="http://schemas.microsoft.com/office/drawing/2014/main" id="{BBAC4F18-EE0F-5996-FF7A-D6CFC88764CF}"/>
+              </a:ext>
+            </a:extLst>
+          </p:cNvPr>
+          <p:cNvPicPr>
+            <a:picLocks noChangeAspect="1"/>
+          </p:cNvPicPr>
+          <p:nvPr/>
+        </p:nvPicPr>
+        <p:blipFill rotWithShape="1">
+          <a:blip r:embed="rId3"/>
+          <a:srcRect l="-319" t="24784" b="27407"/>
+          <a:stretch/>
+        </p:blipFill>
+        <p:spPr>
+          <a:xfrm>
+            <a:off x="4309733" y="2893086"/>
+            <a:ext cx="5981700" cy="122951"/>
+          </a:xfrm>
+          <a:prstGeom prst="rect">
+            <a:avLst/>
+          </a:prstGeom>
+        </p:spPr>
+      </p:pic>
+      <p:pic>
+        <p:nvPicPr>
+          <p:cNvPr id="16" name="Picture 15">
+            <a:extLst>
+              <a:ext uri="{FF2B5EF4-FFF2-40B4-BE49-F238E27FC236}">
+                <a16:creationId xmlns:a16="http://schemas.microsoft.com/office/drawing/2014/main" id="{384932AE-7170-8E5E-863E-31BE08114640}"/>
+              </a:ext>
+            </a:extLst>
+          </p:cNvPr>
+          <p:cNvPicPr>
+            <a:picLocks noChangeAspect="1"/>
+          </p:cNvPicPr>
+          <p:nvPr/>
+        </p:nvPicPr>
+        <p:blipFill rotWithShape="1">
+          <a:blip r:embed="rId4"/>
+          <a:srcRect t="20309" b="20992"/>
+          <a:stretch/>
+        </p:blipFill>
+        <p:spPr>
+          <a:xfrm>
+            <a:off x="5069341" y="3368802"/>
+            <a:ext cx="5991225" cy="195690"/>
+          </a:xfrm>
+          <a:prstGeom prst="rect">
+            <a:avLst/>
+          </a:prstGeom>
+        </p:spPr>
+      </p:pic>
+      <p:pic>
+        <p:nvPicPr>
+          <p:cNvPr id="18" name="Picture 17">
+            <a:extLst>
+              <a:ext uri="{FF2B5EF4-FFF2-40B4-BE49-F238E27FC236}">
+                <a16:creationId xmlns:a16="http://schemas.microsoft.com/office/drawing/2014/main" id="{247B3D21-07C6-5523-0905-5CE860F3499B}"/>
+              </a:ext>
+            </a:extLst>
+          </p:cNvPr>
+          <p:cNvPicPr>
+            <a:picLocks noChangeAspect="1"/>
+          </p:cNvPicPr>
+          <p:nvPr/>
+        </p:nvPicPr>
+        <p:blipFill rotWithShape="1">
+          <a:blip r:embed="rId5"/>
+          <a:srcRect l="-155" t="19559" r="155" b="7066"/>
+          <a:stretch/>
+        </p:blipFill>
+        <p:spPr>
+          <a:xfrm>
+            <a:off x="4658405" y="3873706"/>
+            <a:ext cx="6010275" cy="195690"/>
+          </a:xfrm>
+          <a:prstGeom prst="rect">
+            <a:avLst/>
+          </a:prstGeom>
+        </p:spPr>
+      </p:pic>
+      <p:pic>
+        <p:nvPicPr>
+          <p:cNvPr id="20" name="Picture 19">
+            <a:extLst>
+              <a:ext uri="{FF2B5EF4-FFF2-40B4-BE49-F238E27FC236}">
+                <a16:creationId xmlns:a16="http://schemas.microsoft.com/office/drawing/2014/main" id="{E4BB04FB-8ECF-5D1F-A057-FC263BB6362E}"/>
+              </a:ext>
+            </a:extLst>
+          </p:cNvPr>
+          <p:cNvPicPr>
+            <a:picLocks noChangeAspect="1"/>
+          </p:cNvPicPr>
+          <p:nvPr/>
+        </p:nvPicPr>
+        <p:blipFill rotWithShape="1">
+          <a:blip r:embed="rId6"/>
+          <a:srcRect t="14750" b="18976"/>
+          <a:stretch/>
+        </p:blipFill>
+        <p:spPr>
+          <a:xfrm>
+            <a:off x="5097916" y="4422161"/>
+            <a:ext cx="5962650" cy="195690"/>
+          </a:xfrm>
+          <a:prstGeom prst="rect">
+            <a:avLst/>
+          </a:prstGeom>
+        </p:spPr>
+      </p:pic>
+      <p:pic>
+        <p:nvPicPr>
+          <p:cNvPr id="22" name="Picture 21">
+            <a:extLst>
+              <a:ext uri="{FF2B5EF4-FFF2-40B4-BE49-F238E27FC236}">
+                <a16:creationId xmlns:a16="http://schemas.microsoft.com/office/drawing/2014/main" id="{3D33AD53-A8FC-B292-2D94-A9F7F7BF0C03}"/>
+              </a:ext>
+            </a:extLst>
+          </p:cNvPr>
+          <p:cNvPicPr>
+            <a:picLocks noChangeAspect="1"/>
+          </p:cNvPicPr>
+          <p:nvPr/>
+        </p:nvPicPr>
+        <p:blipFill rotWithShape="1">
+          <a:blip r:embed="rId7"/>
+          <a:srcRect t="26625"/>
+          <a:stretch/>
+        </p:blipFill>
+        <p:spPr>
+          <a:xfrm>
+            <a:off x="5886060" y="4970616"/>
+            <a:ext cx="5943600" cy="195690"/>
+          </a:xfrm>
+          <a:prstGeom prst="rect">
+            <a:avLst/>
+          </a:prstGeom>
+        </p:spPr>
+      </p:pic>
+      <p:pic>
+        <p:nvPicPr>
+          <p:cNvPr id="26" name="Picture 25">
+            <a:extLst>
+              <a:ext uri="{FF2B5EF4-FFF2-40B4-BE49-F238E27FC236}">
+                <a16:creationId xmlns:a16="http://schemas.microsoft.com/office/drawing/2014/main" id="{B6CB028B-F545-0A73-1224-FE54BC99B868}"/>
+              </a:ext>
+            </a:extLst>
+          </p:cNvPr>
+          <p:cNvPicPr>
+            <a:picLocks noChangeAspect="1"/>
+          </p:cNvPicPr>
+          <p:nvPr/>
+        </p:nvPicPr>
+        <p:blipFill>
+          <a:blip r:embed="rId8"/>
+          <a:stretch>
+            <a:fillRect/>
+          </a:stretch>
+        </p:blipFill>
+        <p:spPr>
+          <a:xfrm>
+            <a:off x="5718499" y="5475520"/>
+            <a:ext cx="5905500" cy="247650"/>
+          </a:xfrm>
+          <a:prstGeom prst="rect">
+            <a:avLst/>
+          </a:prstGeom>
+        </p:spPr>
+      </p:pic>
     </p:spTree>
     <p:extLst>
       <p:ext uri="{BB962C8B-B14F-4D97-AF65-F5344CB8AC3E}">
-        <p14:creationId xmlns:p14="http://schemas.microsoft.com/office/powerpoint/2010/main" val="1452733498"/>
+        <p14:creationId xmlns:p14="http://schemas.microsoft.com/office/powerpoint/2010/main" val="524949915"/>
       </p:ext>
     </p:extLst>
   </p:cSld>
   <p:clrMapOvr>
     <a:masterClrMapping/>
   </p:clrMapOvr>
+  <mc:AlternateContent xmlns:mc="http://schemas.openxmlformats.org/markup-compatibility/2006">
+    <mc:Choice xmlns:p159="http://schemas.microsoft.com/office/powerpoint/2015/09/main" Requires="p159">
+      <p:transition xmlns:p14="http://schemas.microsoft.com/office/powerpoint/2010/main" spd="slow" p14:dur="2000">
+        <p159:morph option="byObject"/>
+      </p:transition>
+    </mc:Choice>
+    <mc:Fallback>
+      <p:transition spd="slow">
+        <p:fade/>
+      </p:transition>
+    </mc:Fallback>
+  </mc:AlternateContent>
 </p:sld>
 </file>
 
